--- a/htmltbn.pptx
+++ b/htmltbn.pptx
@@ -259,7 +259,7 @@
           <a:p>
             <a:fld id="{6B13FC3B-4023-4BF1-B4B6-2F4FAF1CAC19}" type="datetimeFigureOut">
               <a:rPr lang="en-US" smtClean="0"/>
-              <a:t>2018/07/13</a:t>
+              <a:t>2018/07/16</a:t>
             </a:fld>
             <a:endParaRPr lang="en-US"/>
           </a:p>
@@ -429,7 +429,7 @@
           <a:p>
             <a:fld id="{6B13FC3B-4023-4BF1-B4B6-2F4FAF1CAC19}" type="datetimeFigureOut">
               <a:rPr lang="en-US" smtClean="0"/>
-              <a:t>2018/07/13</a:t>
+              <a:t>2018/07/16</a:t>
             </a:fld>
             <a:endParaRPr lang="en-US"/>
           </a:p>
@@ -609,7 +609,7 @@
           <a:p>
             <a:fld id="{6B13FC3B-4023-4BF1-B4B6-2F4FAF1CAC19}" type="datetimeFigureOut">
               <a:rPr lang="en-US" smtClean="0"/>
-              <a:t>2018/07/13</a:t>
+              <a:t>2018/07/16</a:t>
             </a:fld>
             <a:endParaRPr lang="en-US"/>
           </a:p>
@@ -779,7 +779,7 @@
           <a:p>
             <a:fld id="{6B13FC3B-4023-4BF1-B4B6-2F4FAF1CAC19}" type="datetimeFigureOut">
               <a:rPr lang="en-US" smtClean="0"/>
-              <a:t>2018/07/13</a:t>
+              <a:t>2018/07/16</a:t>
             </a:fld>
             <a:endParaRPr lang="en-US"/>
           </a:p>
@@ -1025,7 +1025,7 @@
           <a:p>
             <a:fld id="{6B13FC3B-4023-4BF1-B4B6-2F4FAF1CAC19}" type="datetimeFigureOut">
               <a:rPr lang="en-US" smtClean="0"/>
-              <a:t>2018/07/13</a:t>
+              <a:t>2018/07/16</a:t>
             </a:fld>
             <a:endParaRPr lang="en-US"/>
           </a:p>
@@ -1257,7 +1257,7 @@
           <a:p>
             <a:fld id="{6B13FC3B-4023-4BF1-B4B6-2F4FAF1CAC19}" type="datetimeFigureOut">
               <a:rPr lang="en-US" smtClean="0"/>
-              <a:t>2018/07/13</a:t>
+              <a:t>2018/07/16</a:t>
             </a:fld>
             <a:endParaRPr lang="en-US"/>
           </a:p>
@@ -1624,7 +1624,7 @@
           <a:p>
             <a:fld id="{6B13FC3B-4023-4BF1-B4B6-2F4FAF1CAC19}" type="datetimeFigureOut">
               <a:rPr lang="en-US" smtClean="0"/>
-              <a:t>2018/07/13</a:t>
+              <a:t>2018/07/16</a:t>
             </a:fld>
             <a:endParaRPr lang="en-US"/>
           </a:p>
@@ -1742,7 +1742,7 @@
           <a:p>
             <a:fld id="{6B13FC3B-4023-4BF1-B4B6-2F4FAF1CAC19}" type="datetimeFigureOut">
               <a:rPr lang="en-US" smtClean="0"/>
-              <a:t>2018/07/13</a:t>
+              <a:t>2018/07/16</a:t>
             </a:fld>
             <a:endParaRPr lang="en-US"/>
           </a:p>
@@ -1837,7 +1837,7 @@
           <a:p>
             <a:fld id="{6B13FC3B-4023-4BF1-B4B6-2F4FAF1CAC19}" type="datetimeFigureOut">
               <a:rPr lang="en-US" smtClean="0"/>
-              <a:t>2018/07/13</a:t>
+              <a:t>2018/07/16</a:t>
             </a:fld>
             <a:endParaRPr lang="en-US"/>
           </a:p>
@@ -2114,7 +2114,7 @@
           <a:p>
             <a:fld id="{6B13FC3B-4023-4BF1-B4B6-2F4FAF1CAC19}" type="datetimeFigureOut">
               <a:rPr lang="en-US" smtClean="0"/>
-              <a:t>2018/07/13</a:t>
+              <a:t>2018/07/16</a:t>
             </a:fld>
             <a:endParaRPr lang="en-US"/>
           </a:p>
@@ -2367,7 +2367,7 @@
           <a:p>
             <a:fld id="{6B13FC3B-4023-4BF1-B4B6-2F4FAF1CAC19}" type="datetimeFigureOut">
               <a:rPr lang="en-US" smtClean="0"/>
-              <a:t>2018/07/13</a:t>
+              <a:t>2018/07/16</a:t>
             </a:fld>
             <a:endParaRPr lang="en-US"/>
           </a:p>
@@ -2580,7 +2580,7 @@
           <a:p>
             <a:fld id="{6B13FC3B-4023-4BF1-B4B6-2F4FAF1CAC19}" type="datetimeFigureOut">
               <a:rPr lang="en-US" smtClean="0"/>
-              <a:t>2018/07/13</a:t>
+              <a:t>2018/07/16</a:t>
             </a:fld>
             <a:endParaRPr lang="en-US"/>
           </a:p>
@@ -8690,68 +8690,50 @@
               <a:rPr lang="en-US" dirty="0" smtClean="0">
                 <a:latin typeface="Akzidenz-Grotesk Next Regular" panose="02000503000000020003" pitchFamily="50" charset="0"/>
               </a:rPr>
-              <a:t>Si7021 temperature </a:t>
-            </a:r>
+              <a:t>Si7021 temperature sensor module</a:t>
+            </a:r>
+          </a:p>
+        </p:txBody>
+      </p:sp>
+      <p:sp>
+        <p:nvSpPr>
+          <p:cNvPr id="22" name="Rectangle 21"/>
+          <p:cNvSpPr/>
+          <p:nvPr/>
+        </p:nvSpPr>
+        <p:spPr>
+          <a:xfrm>
+            <a:off x="4998202" y="3784669"/>
+            <a:ext cx="4464635" cy="1004412"/>
+          </a:xfrm>
+          <a:prstGeom prst="rect">
+            <a:avLst/>
+          </a:prstGeom>
+        </p:spPr>
+        <p:style>
+          <a:lnRef idx="2">
+            <a:schemeClr val="dk1"/>
+          </a:lnRef>
+          <a:fillRef idx="1">
+            <a:schemeClr val="lt1"/>
+          </a:fillRef>
+          <a:effectRef idx="0">
+            <a:schemeClr val="dk1"/>
+          </a:effectRef>
+          <a:fontRef idx="minor">
+            <a:schemeClr val="dk1"/>
+          </a:fontRef>
+        </p:style>
+        <p:txBody>
+          <a:bodyPr rtlCol="0" anchor="b"/>
+          <a:lstStyle/>
+          <a:p>
             <a:r>
               <a:rPr lang="en-US" dirty="0" smtClean="0">
                 <a:latin typeface="Akzidenz-Grotesk Next Regular" panose="02000503000000020003" pitchFamily="50" charset="0"/>
               </a:rPr>
-              <a:t>sensor module</a:t>
-            </a:r>
-            <a:endParaRPr lang="en-US" dirty="0" smtClean="0">
-              <a:latin typeface="Akzidenz-Grotesk Next Regular" panose="02000503000000020003" pitchFamily="50" charset="0"/>
-            </a:endParaRPr>
-          </a:p>
-        </p:txBody>
-      </p:sp>
-      <p:sp>
-        <p:nvSpPr>
-          <p:cNvPr id="22" name="Rectangle 21"/>
-          <p:cNvSpPr/>
-          <p:nvPr/>
-        </p:nvSpPr>
-        <p:spPr>
-          <a:xfrm>
-            <a:off x="4998202" y="3784669"/>
-            <a:ext cx="4464635" cy="1004412"/>
-          </a:xfrm>
-          <a:prstGeom prst="rect">
-            <a:avLst/>
-          </a:prstGeom>
-        </p:spPr>
-        <p:style>
-          <a:lnRef idx="2">
-            <a:schemeClr val="dk1"/>
-          </a:lnRef>
-          <a:fillRef idx="1">
-            <a:schemeClr val="lt1"/>
-          </a:fillRef>
-          <a:effectRef idx="0">
-            <a:schemeClr val="dk1"/>
-          </a:effectRef>
-          <a:fontRef idx="minor">
-            <a:schemeClr val="dk1"/>
-          </a:fontRef>
-        </p:style>
-        <p:txBody>
-          <a:bodyPr rtlCol="0" anchor="b"/>
-          <a:lstStyle/>
-          <a:p>
-            <a:r>
-              <a:rPr lang="en-US" dirty="0" smtClean="0">
-                <a:latin typeface="Akzidenz-Grotesk Next Regular" panose="02000503000000020003" pitchFamily="50" charset="0"/>
-              </a:rPr>
-              <a:t>Raspberry </a:t>
-            </a:r>
-            <a:r>
-              <a:rPr lang="en-US" dirty="0" smtClean="0">
-                <a:latin typeface="Akzidenz-Grotesk Next Regular" panose="02000503000000020003" pitchFamily="50" charset="0"/>
-              </a:rPr>
-              <a:t>Pi/Development board</a:t>
-            </a:r>
-            <a:endParaRPr lang="en-US" dirty="0" smtClean="0">
-              <a:latin typeface="Akzidenz-Grotesk Next Regular" panose="02000503000000020003" pitchFamily="50" charset="0"/>
-            </a:endParaRPr>
+              <a:t>Raspberry Pi/Development board</a:t>
+            </a:r>
           </a:p>
         </p:txBody>
       </p:sp>
@@ -10027,26 +10009,17 @@
               <a:rPr lang="en-US" dirty="0" smtClean="0">
                 <a:latin typeface="Akzidenz-Grotesk Next Regular" panose="02000503000000020003" pitchFamily="50" charset="0"/>
               </a:rPr>
-              <a:t>IR </a:t>
-            </a:r>
+              <a:t>IR Receiver</a:t>
+            </a:r>
+          </a:p>
+          <a:p>
+            <a:pPr algn="ctr"/>
             <a:r>
               <a:rPr lang="en-US" dirty="0" smtClean="0">
                 <a:latin typeface="Akzidenz-Grotesk Next Regular" panose="02000503000000020003" pitchFamily="50" charset="0"/>
               </a:rPr>
-              <a:t>Receiver</a:t>
-            </a:r>
-          </a:p>
-          <a:p>
-            <a:pPr algn="ctr"/>
-            <a:r>
-              <a:rPr lang="en-US" dirty="0" smtClean="0">
-                <a:latin typeface="Akzidenz-Grotesk Next Regular" panose="02000503000000020003" pitchFamily="50" charset="0"/>
-              </a:rPr>
               <a:t>module</a:t>
             </a:r>
-            <a:endParaRPr lang="en-US" dirty="0" smtClean="0">
-              <a:latin typeface="Akzidenz-Grotesk Next Regular" panose="02000503000000020003" pitchFamily="50" charset="0"/>
-            </a:endParaRPr>
           </a:p>
         </p:txBody>
       </p:sp>
@@ -10994,9 +10967,6 @@
               </a:rPr>
               <a:t>module</a:t>
             </a:r>
-            <a:endParaRPr lang="en-US" dirty="0" smtClean="0">
-              <a:latin typeface="Akzidenz-Grotesk Next Regular" panose="02000503000000020003" pitchFamily="50" charset="0"/>
-            </a:endParaRPr>
           </a:p>
         </p:txBody>
       </p:sp>
@@ -11402,9 +11372,6 @@
               </a:rPr>
               <a:t>External power supply</a:t>
             </a:r>
-            <a:endParaRPr lang="en-US" dirty="0" smtClean="0">
-              <a:latin typeface="Akzidenz-Grotesk Next Regular" panose="02000503000000020003" pitchFamily="50" charset="0"/>
-            </a:endParaRPr>
           </a:p>
         </p:txBody>
       </p:sp>
@@ -11784,7 +11751,13 @@
               <a:rPr lang="en-US" dirty="0" smtClean="0">
                 <a:latin typeface="Akzidenz-Grotesk Next Regular" panose="02000503000000020003" pitchFamily="50" charset="0"/>
               </a:rPr>
-              <a:t>HTML client side</a:t>
+              <a:t>PHP client </a:t>
+            </a:r>
+            <a:r>
+              <a:rPr lang="en-US" dirty="0" smtClean="0">
+                <a:latin typeface="Akzidenz-Grotesk Next Regular" panose="02000503000000020003" pitchFamily="50" charset="0"/>
+              </a:rPr>
+              <a:t>side</a:t>
             </a:r>
           </a:p>
         </p:txBody>
@@ -12381,9 +12354,6 @@
               </a:rPr>
               <a:t>Push data</a:t>
             </a:r>
-            <a:endParaRPr lang="en-US" sz="1400" dirty="0" smtClean="0">
-              <a:latin typeface="Akzidenz-Grotesk Next Regular" panose="02000503000000020003" pitchFamily="50" charset="0"/>
-            </a:endParaRPr>
           </a:p>
         </p:txBody>
       </p:sp>
@@ -12762,14 +12732,14 @@
           <p:nvPr>
             <p:extLst>
               <p:ext uri="{D42A27DB-BD31-4B8C-83A1-F6EECF244321}">
-                <p14:modId xmlns:p14="http://schemas.microsoft.com/office/powerpoint/2010/main" val="2567384779"/>
+                <p14:modId xmlns:p14="http://schemas.microsoft.com/office/powerpoint/2010/main" val="2029168580"/>
               </p:ext>
             </p:extLst>
           </p:nvPr>
         </p:nvGraphicFramePr>
         <p:xfrm>
           <a:off x="1293770" y="720592"/>
-          <a:ext cx="5402043" cy="370840"/>
+          <a:ext cx="5402043" cy="640080"/>
         </p:xfrm>
         <a:graphic>
           <a:graphicData uri="http://schemas.openxmlformats.org/drawingml/2006/table">
@@ -12814,6 +12784,17 @@
                           <a:latin typeface="Akzidenz-Grotesk Next Regular" panose="02000503000000020003" pitchFamily="50" charset="0"/>
                         </a:rPr>
                         <a:t>Timestamp</a:t>
+                      </a:r>
+                    </a:p>
+                    <a:p>
+                      <a:r>
+                        <a:rPr lang="en-US" b="0" dirty="0" err="1" smtClean="0">
+                          <a:solidFill>
+                            <a:sysClr val="windowText" lastClr="000000"/>
+                          </a:solidFill>
+                          <a:latin typeface="Akzidenz-Grotesk Next Regular" panose="02000503000000020003" pitchFamily="50" charset="0"/>
+                        </a:rPr>
+                        <a:t>int</a:t>
                       </a:r>
                       <a:endParaRPr lang="en-US" b="0" dirty="0">
                         <a:solidFill>
@@ -12877,6 +12858,17 @@
                         </a:rPr>
                         <a:t>Current</a:t>
                       </a:r>
+                    </a:p>
+                    <a:p>
+                      <a:r>
+                        <a:rPr lang="en-US" b="0" dirty="0" smtClean="0">
+                          <a:solidFill>
+                            <a:sysClr val="windowText" lastClr="000000"/>
+                          </a:solidFill>
+                          <a:latin typeface="Akzidenz-Grotesk Next Regular" panose="02000503000000020003" pitchFamily="50" charset="0"/>
+                        </a:rPr>
+                        <a:t>float</a:t>
+                      </a:r>
                       <a:endParaRPr lang="en-US" b="0" dirty="0">
                         <a:solidFill>
                           <a:sysClr val="windowText" lastClr="000000"/>
@@ -12938,6 +12930,17 @@
                           <a:latin typeface="Akzidenz-Grotesk Next Regular" panose="02000503000000020003" pitchFamily="50" charset="0"/>
                         </a:rPr>
                         <a:t>Temperature</a:t>
+                      </a:r>
+                    </a:p>
+                    <a:p>
+                      <a:r>
+                        <a:rPr lang="en-US" b="0" dirty="0" smtClean="0">
+                          <a:solidFill>
+                            <a:sysClr val="windowText" lastClr="000000"/>
+                          </a:solidFill>
+                          <a:latin typeface="Akzidenz-Grotesk Next Regular" panose="02000503000000020003" pitchFamily="50" charset="0"/>
+                        </a:rPr>
+                        <a:t>float</a:t>
                       </a:r>
                       <a:endParaRPr lang="en-US" b="0" dirty="0">
                         <a:solidFill>
